--- a/Install Debian on Virtualbox.pptx
+++ b/Install Debian on Virtualbox.pptx
@@ -4574,11 +4574,11 @@
             </a:r>
             <a:r>
               <a:rPr lang="fi-FI" dirty="0"/>
-              <a:t> software in my home </a:t>
-            </a:r>
-            <a:r>
-              <a:rPr lang="fi-FI" dirty="0" err="1"/>
-              <a:t>computer</a:t>
+              <a:t> software in my home Windows </a:t>
+            </a:r>
+            <a:r>
+              <a:rPr lang="fi-FI"/>
+              <a:t>10 OS</a:t>
             </a:r>
             <a:endParaRPr lang="fi-FI" dirty="0"/>
           </a:p>
